--- a/강의원고/4. 라즈베리파이_GPIO(특강).pptx
+++ b/강의원고/4. 라즈베리파이_GPIO(특강).pptx
@@ -604,7 +604,7 @@
           <a:p>
             <a:fld id="{319DF8ED-D9EA-4B50-889C-F68F2FAB12E9}" type="datetimeFigureOut">
               <a:rPr lang="ko-KR" altLang="en-US" smtClean="0"/>
-              <a:t>2019-07-29</a:t>
+              <a:t>2019-07-31</a:t>
             </a:fld>
             <a:endParaRPr lang="ko-KR" altLang="en-US"/>
           </a:p>
@@ -5684,7 +5684,7 @@
 </file>
 
 <file path=ppt/slides/slide10.xml><?xml version="1.0" encoding="utf-8"?>
-<p:sld xmlns:a="http://schemas.openxmlformats.org/drawingml/2006/main" xmlns:r="http://schemas.openxmlformats.org/officeDocument/2006/relationships" xmlns:p="http://schemas.openxmlformats.org/presentationml/2006/main">
+<p:sld xmlns:a="http://schemas.openxmlformats.org/drawingml/2006/main" xmlns:r="http://schemas.openxmlformats.org/officeDocument/2006/relationships" xmlns:p="http://schemas.openxmlformats.org/presentationml/2006/main" show="0">
   <p:cSld>
     <p:spTree>
       <p:nvGrpSpPr>
@@ -5956,6 +5956,14 @@
   <p:clrMapOvr>
     <a:masterClrMapping/>
   </p:clrMapOvr>
+  <mc:AlternateContent xmlns:mc="http://schemas.openxmlformats.org/markup-compatibility/2006">
+    <mc:Choice xmlns:p14="http://schemas.microsoft.com/office/powerpoint/2010/main" Requires="p14">
+      <p:transition spd="slow" p14:dur="2000"/>
+    </mc:Choice>
+    <mc:Fallback>
+      <p:transition spd="slow"/>
+    </mc:Fallback>
+  </mc:AlternateContent>
   <p:timing>
     <p:tnLst>
       <p:par>
@@ -5967,7 +5975,7 @@
 </file>
 
 <file path=ppt/slides/slide11.xml><?xml version="1.0" encoding="utf-8"?>
-<p:sld xmlns:a="http://schemas.openxmlformats.org/drawingml/2006/main" xmlns:r="http://schemas.openxmlformats.org/officeDocument/2006/relationships" xmlns:p="http://schemas.openxmlformats.org/presentationml/2006/main">
+<p:sld xmlns:a="http://schemas.openxmlformats.org/drawingml/2006/main" xmlns:r="http://schemas.openxmlformats.org/officeDocument/2006/relationships" xmlns:p="http://schemas.openxmlformats.org/presentationml/2006/main" show="0">
   <p:cSld>
     <p:spTree>
       <p:nvGrpSpPr>
@@ -6107,11 +6115,19 @@
   <p:clrMapOvr>
     <a:masterClrMapping/>
   </p:clrMapOvr>
+  <mc:AlternateContent xmlns:mc="http://schemas.openxmlformats.org/markup-compatibility/2006">
+    <mc:Choice xmlns:p14="http://schemas.microsoft.com/office/powerpoint/2010/main" Requires="p14">
+      <p:transition spd="slow" p14:dur="2000"/>
+    </mc:Choice>
+    <mc:Fallback>
+      <p:transition spd="slow"/>
+    </mc:Fallback>
+  </mc:AlternateContent>
 </p:sld>
 </file>
 
 <file path=ppt/slides/slide12.xml><?xml version="1.0" encoding="utf-8"?>
-<p:sld xmlns:a="http://schemas.openxmlformats.org/drawingml/2006/main" xmlns:r="http://schemas.openxmlformats.org/officeDocument/2006/relationships" xmlns:p="http://schemas.openxmlformats.org/presentationml/2006/main">
+<p:sld xmlns:a="http://schemas.openxmlformats.org/drawingml/2006/main" xmlns:r="http://schemas.openxmlformats.org/officeDocument/2006/relationships" xmlns:p="http://schemas.openxmlformats.org/presentationml/2006/main" show="0">
   <p:cSld>
     <p:spTree>
       <p:nvGrpSpPr>
@@ -6380,11 +6396,19 @@
   <p:clrMapOvr>
     <a:masterClrMapping/>
   </p:clrMapOvr>
+  <mc:AlternateContent xmlns:mc="http://schemas.openxmlformats.org/markup-compatibility/2006">
+    <mc:Choice xmlns:p14="http://schemas.microsoft.com/office/powerpoint/2010/main" Requires="p14">
+      <p:transition spd="slow" p14:dur="2000"/>
+    </mc:Choice>
+    <mc:Fallback>
+      <p:transition spd="slow"/>
+    </mc:Fallback>
+  </mc:AlternateContent>
 </p:sld>
 </file>
 
 <file path=ppt/slides/slide13.xml><?xml version="1.0" encoding="utf-8"?>
-<p:sld xmlns:a="http://schemas.openxmlformats.org/drawingml/2006/main" xmlns:r="http://schemas.openxmlformats.org/officeDocument/2006/relationships" xmlns:p="http://schemas.openxmlformats.org/presentationml/2006/main">
+<p:sld xmlns:a="http://schemas.openxmlformats.org/drawingml/2006/main" xmlns:r="http://schemas.openxmlformats.org/officeDocument/2006/relationships" xmlns:p="http://schemas.openxmlformats.org/presentationml/2006/main" show="0">
   <p:cSld>
     <p:spTree>
       <p:nvGrpSpPr>
@@ -6545,6 +6569,14 @@
   <p:clrMapOvr>
     <a:masterClrMapping/>
   </p:clrMapOvr>
+  <mc:AlternateContent xmlns:mc="http://schemas.openxmlformats.org/markup-compatibility/2006">
+    <mc:Choice xmlns:p14="http://schemas.microsoft.com/office/powerpoint/2010/main" Requires="p14">
+      <p:transition spd="slow" p14:dur="2000"/>
+    </mc:Choice>
+    <mc:Fallback>
+      <p:transition spd="slow"/>
+    </mc:Fallback>
+  </mc:AlternateContent>
   <p:timing>
     <p:tnLst>
       <p:par>
@@ -6556,7 +6588,7 @@
 </file>
 
 <file path=ppt/slides/slide14.xml><?xml version="1.0" encoding="utf-8"?>
-<p:sld xmlns:a="http://schemas.openxmlformats.org/drawingml/2006/main" xmlns:r="http://schemas.openxmlformats.org/officeDocument/2006/relationships" xmlns:p="http://schemas.openxmlformats.org/presentationml/2006/main">
+<p:sld xmlns:a="http://schemas.openxmlformats.org/drawingml/2006/main" xmlns:r="http://schemas.openxmlformats.org/officeDocument/2006/relationships" xmlns:p="http://schemas.openxmlformats.org/presentationml/2006/main" show="0">
   <p:cSld>
     <p:spTree>
       <p:nvGrpSpPr>
@@ -6709,6 +6741,14 @@
   <p:clrMapOvr>
     <a:masterClrMapping/>
   </p:clrMapOvr>
+  <mc:AlternateContent xmlns:mc="http://schemas.openxmlformats.org/markup-compatibility/2006">
+    <mc:Choice xmlns:p14="http://schemas.microsoft.com/office/powerpoint/2010/main" Requires="p14">
+      <p:transition spd="slow" p14:dur="2000"/>
+    </mc:Choice>
+    <mc:Fallback>
+      <p:transition spd="slow"/>
+    </mc:Fallback>
+  </mc:AlternateContent>
   <p:timing>
     <p:tnLst>
       <p:par>
@@ -6720,7 +6760,7 @@
 </file>
 
 <file path=ppt/slides/slide15.xml><?xml version="1.0" encoding="utf-8"?>
-<p:sld xmlns:a="http://schemas.openxmlformats.org/drawingml/2006/main" xmlns:r="http://schemas.openxmlformats.org/officeDocument/2006/relationships" xmlns:p="http://schemas.openxmlformats.org/presentationml/2006/main">
+<p:sld xmlns:a="http://schemas.openxmlformats.org/drawingml/2006/main" xmlns:r="http://schemas.openxmlformats.org/officeDocument/2006/relationships" xmlns:p="http://schemas.openxmlformats.org/presentationml/2006/main" show="0">
   <p:cSld>
     <p:spTree>
       <p:nvGrpSpPr>
@@ -7298,6 +7338,14 @@
   <p:clrMapOvr>
     <a:masterClrMapping/>
   </p:clrMapOvr>
+  <mc:AlternateContent xmlns:mc="http://schemas.openxmlformats.org/markup-compatibility/2006">
+    <mc:Choice xmlns:p14="http://schemas.microsoft.com/office/powerpoint/2010/main" Requires="p14">
+      <p:transition spd="slow" p14:dur="2000"/>
+    </mc:Choice>
+    <mc:Fallback>
+      <p:transition spd="slow"/>
+    </mc:Fallback>
+  </mc:AlternateContent>
   <p:timing>
     <p:tnLst>
       <p:par>
@@ -7309,7 +7357,7 @@
 </file>
 
 <file path=ppt/slides/slide16.xml><?xml version="1.0" encoding="utf-8"?>
-<p:sld xmlns:a="http://schemas.openxmlformats.org/drawingml/2006/main" xmlns:r="http://schemas.openxmlformats.org/officeDocument/2006/relationships" xmlns:p="http://schemas.openxmlformats.org/presentationml/2006/main">
+<p:sld xmlns:a="http://schemas.openxmlformats.org/drawingml/2006/main" xmlns:r="http://schemas.openxmlformats.org/officeDocument/2006/relationships" xmlns:p="http://schemas.openxmlformats.org/presentationml/2006/main" show="0">
   <p:cSld>
     <p:spTree>
       <p:nvGrpSpPr>
@@ -7716,11 +7764,11 @@
   <p:clrMapOvr>
     <a:masterClrMapping/>
   </p:clrMapOvr>
-  <mc:AlternateContent xmlns:mc="http://schemas.openxmlformats.org/markup-compatibility/2006" xmlns:p14="http://schemas.microsoft.com/office/powerpoint/2010/main">
-    <mc:Choice Requires="p14">
+  <mc:AlternateContent xmlns:mc="http://schemas.openxmlformats.org/markup-compatibility/2006">
+    <mc:Choice xmlns:p14="http://schemas.microsoft.com/office/powerpoint/2010/main" Requires="p14">
       <p:transition spd="slow" p14:dur="2000"/>
     </mc:Choice>
-    <mc:Fallback xmlns="">
+    <mc:Fallback>
       <p:transition spd="slow"/>
     </mc:Fallback>
   </mc:AlternateContent>
@@ -7735,7 +7783,7 @@
 </file>
 
 <file path=ppt/slides/slide17.xml><?xml version="1.0" encoding="utf-8"?>
-<p:sld xmlns:a="http://schemas.openxmlformats.org/drawingml/2006/main" xmlns:r="http://schemas.openxmlformats.org/officeDocument/2006/relationships" xmlns:p="http://schemas.openxmlformats.org/presentationml/2006/main">
+<p:sld xmlns:a="http://schemas.openxmlformats.org/drawingml/2006/main" xmlns:r="http://schemas.openxmlformats.org/officeDocument/2006/relationships" xmlns:p="http://schemas.openxmlformats.org/presentationml/2006/main" show="0">
   <p:cSld>
     <p:spTree>
       <p:nvGrpSpPr>
@@ -8293,7 +8341,7 @@
           <a:graphicData uri="http://schemas.openxmlformats.org/presentationml/2006/ole">
             <mc:AlternateContent xmlns:mc="http://schemas.openxmlformats.org/markup-compatibility/2006">
               <mc:Choice xmlns:v="urn:schemas-microsoft-com:vml" Requires="v">
-                <p:oleObj spid="_x0000_s4149" name="포장기 셸 개체" showAsIcon="1" r:id="rId3" imgW="916200" imgH="514800" progId="Package">
+                <p:oleObj spid="_x0000_s4152" name="포장기 셸 개체" showAsIcon="1" r:id="rId3" imgW="916200" imgH="514800" progId="Package">
                   <p:embed/>
                 </p:oleObj>
               </mc:Choice>
@@ -8338,6 +8386,14 @@
   <p:clrMapOvr>
     <a:masterClrMapping/>
   </p:clrMapOvr>
+  <mc:AlternateContent xmlns:mc="http://schemas.openxmlformats.org/markup-compatibility/2006">
+    <mc:Choice xmlns:p14="http://schemas.microsoft.com/office/powerpoint/2010/main" Requires="p14">
+      <p:transition spd="slow" p14:dur="2000"/>
+    </mc:Choice>
+    <mc:Fallback>
+      <p:transition spd="slow"/>
+    </mc:Fallback>
+  </mc:AlternateContent>
   <p:timing>
     <p:tnLst>
       <p:par>
@@ -9329,7 +9385,7 @@
 </file>
 
 <file path=ppt/slides/slide19.xml><?xml version="1.0" encoding="utf-8"?>
-<p:sld xmlns:a="http://schemas.openxmlformats.org/drawingml/2006/main" xmlns:r="http://schemas.openxmlformats.org/officeDocument/2006/relationships" xmlns:p="http://schemas.openxmlformats.org/presentationml/2006/main">
+<p:sld xmlns:a="http://schemas.openxmlformats.org/drawingml/2006/main" xmlns:r="http://schemas.openxmlformats.org/officeDocument/2006/relationships" xmlns:p="http://schemas.openxmlformats.org/presentationml/2006/main" show="0">
   <p:cSld>
     <p:spTree>
       <p:nvGrpSpPr>
@@ -9887,7 +9943,7 @@
           <a:graphicData uri="http://schemas.openxmlformats.org/presentationml/2006/ole">
             <mc:AlternateContent xmlns:mc="http://schemas.openxmlformats.org/markup-compatibility/2006">
               <mc:Choice xmlns:v="urn:schemas-microsoft-com:vml" Requires="v">
-                <p:oleObj spid="_x0000_s6186" name="포장기 셸 개체" showAsIcon="1" r:id="rId3" imgW="954000" imgH="542160" progId="Package">
+                <p:oleObj spid="_x0000_s6189" name="포장기 셸 개체" showAsIcon="1" r:id="rId3" imgW="954000" imgH="542160" progId="Package">
                   <p:embed/>
                 </p:oleObj>
               </mc:Choice>
@@ -9932,11 +9988,11 @@
   <p:clrMapOvr>
     <a:masterClrMapping/>
   </p:clrMapOvr>
-  <mc:AlternateContent xmlns:mc="http://schemas.openxmlformats.org/markup-compatibility/2006" xmlns:p14="http://schemas.microsoft.com/office/powerpoint/2010/main">
-    <mc:Choice Requires="p14">
+  <mc:AlternateContent xmlns:mc="http://schemas.openxmlformats.org/markup-compatibility/2006">
+    <mc:Choice xmlns:p14="http://schemas.microsoft.com/office/powerpoint/2010/main" Requires="p14">
       <p:transition spd="slow" p14:dur="2000"/>
     </mc:Choice>
-    <mc:Fallback xmlns="">
+    <mc:Fallback>
       <p:transition spd="slow"/>
     </mc:Fallback>
   </mc:AlternateContent>
@@ -9951,7 +10007,7 @@
 </file>
 
 <file path=ppt/slides/slide2.xml><?xml version="1.0" encoding="utf-8"?>
-<p:sld xmlns:a="http://schemas.openxmlformats.org/drawingml/2006/main" xmlns:r="http://schemas.openxmlformats.org/officeDocument/2006/relationships" xmlns:p="http://schemas.openxmlformats.org/presentationml/2006/main">
+<p:sld xmlns:a="http://schemas.openxmlformats.org/drawingml/2006/main" xmlns:r="http://schemas.openxmlformats.org/officeDocument/2006/relationships" xmlns:p="http://schemas.openxmlformats.org/presentationml/2006/main" show="0">
   <p:cSld>
     <p:spTree>
       <p:nvGrpSpPr>
@@ -10427,6 +10483,14 @@
   <p:clrMapOvr>
     <a:masterClrMapping/>
   </p:clrMapOvr>
+  <mc:AlternateContent xmlns:mc="http://schemas.openxmlformats.org/markup-compatibility/2006">
+    <mc:Choice xmlns:p14="http://schemas.microsoft.com/office/powerpoint/2010/main" Requires="p14">
+      <p:transition spd="slow" p14:dur="2000"/>
+    </mc:Choice>
+    <mc:Fallback>
+      <p:transition spd="slow"/>
+    </mc:Fallback>
+  </mc:AlternateContent>
   <p:timing>
     <p:tnLst>
       <p:par>
@@ -10438,7 +10502,7 @@
 </file>
 
 <file path=ppt/slides/slide20.xml><?xml version="1.0" encoding="utf-8"?>
-<p:sld xmlns:a="http://schemas.openxmlformats.org/drawingml/2006/main" xmlns:r="http://schemas.openxmlformats.org/officeDocument/2006/relationships" xmlns:p="http://schemas.openxmlformats.org/presentationml/2006/main">
+<p:sld xmlns:a="http://schemas.openxmlformats.org/drawingml/2006/main" xmlns:r="http://schemas.openxmlformats.org/officeDocument/2006/relationships" xmlns:p="http://schemas.openxmlformats.org/presentationml/2006/main" show="0">
   <p:cSld>
     <p:spTree>
       <p:nvGrpSpPr>
@@ -11340,6 +11404,14 @@
   <p:clrMapOvr>
     <a:masterClrMapping/>
   </p:clrMapOvr>
+  <mc:AlternateContent xmlns:mc="http://schemas.openxmlformats.org/markup-compatibility/2006">
+    <mc:Choice xmlns:p14="http://schemas.microsoft.com/office/powerpoint/2010/main" Requires="p14">
+      <p:transition spd="slow" p14:dur="2000"/>
+    </mc:Choice>
+    <mc:Fallback>
+      <p:transition spd="slow"/>
+    </mc:Fallback>
+  </mc:AlternateContent>
   <p:timing>
     <p:tnLst>
       <p:par>
@@ -11446,7 +11518,7 @@
 </file>
 
 <file path=ppt/slides/slide21.xml><?xml version="1.0" encoding="utf-8"?>
-<p:sld xmlns:a="http://schemas.openxmlformats.org/drawingml/2006/main" xmlns:r="http://schemas.openxmlformats.org/officeDocument/2006/relationships" xmlns:p="http://schemas.openxmlformats.org/presentationml/2006/main">
+<p:sld xmlns:a="http://schemas.openxmlformats.org/drawingml/2006/main" xmlns:r="http://schemas.openxmlformats.org/officeDocument/2006/relationships" xmlns:p="http://schemas.openxmlformats.org/presentationml/2006/main" show="0">
   <p:cSld>
     <p:spTree>
       <p:nvGrpSpPr>
@@ -11817,7 +11889,7 @@
           <a:graphicData uri="http://schemas.openxmlformats.org/presentationml/2006/ole">
             <mc:AlternateContent xmlns:mc="http://schemas.openxmlformats.org/markup-compatibility/2006">
               <mc:Choice xmlns:v="urn:schemas-microsoft-com:vml" Requires="v">
-                <p:oleObj spid="_x0000_s5465" name="포장기 셸 개체" showAsIcon="1" r:id="rId3" imgW="1672920" imgH="444240" progId="Package">
+                <p:oleObj spid="_x0000_s5486" name="포장기 셸 개체" showAsIcon="1" r:id="rId3" imgW="1672920" imgH="444240" progId="Package">
                   <p:embed/>
                 </p:oleObj>
               </mc:Choice>
@@ -11870,7 +11942,7 @@
           <a:graphicData uri="http://schemas.openxmlformats.org/presentationml/2006/ole">
             <mc:AlternateContent xmlns:mc="http://schemas.openxmlformats.org/markup-compatibility/2006">
               <mc:Choice xmlns:v="urn:schemas-microsoft-com:vml" Requires="v">
-                <p:oleObj spid="_x0000_s5466" name="포장기 셸 개체" showAsIcon="1" r:id="rId5" imgW="1228320" imgH="444240" progId="Package">
+                <p:oleObj spid="_x0000_s5487" name="포장기 셸 개체" showAsIcon="1" r:id="rId5" imgW="1228320" imgH="444240" progId="Package">
                   <p:embed/>
                 </p:oleObj>
               </mc:Choice>
@@ -11923,7 +11995,7 @@
           <a:graphicData uri="http://schemas.openxmlformats.org/presentationml/2006/ole">
             <mc:AlternateContent xmlns:mc="http://schemas.openxmlformats.org/markup-compatibility/2006">
               <mc:Choice xmlns:v="urn:schemas-microsoft-com:vml" Requires="v">
-                <p:oleObj spid="_x0000_s5467" name="포장기 셸 개체" showAsIcon="1" r:id="rId7" imgW="836280" imgH="444240" progId="Package">
+                <p:oleObj spid="_x0000_s5488" name="포장기 셸 개체" showAsIcon="1" r:id="rId7" imgW="836280" imgH="444240" progId="Package">
                   <p:embed/>
                 </p:oleObj>
               </mc:Choice>
@@ -11980,7 +12052,7 @@
           <a:graphicData uri="http://schemas.openxmlformats.org/presentationml/2006/ole">
             <mc:AlternateContent xmlns:mc="http://schemas.openxmlformats.org/markup-compatibility/2006">
               <mc:Choice xmlns:v="urn:schemas-microsoft-com:vml" Requires="v">
-                <p:oleObj spid="_x0000_s5468" name="포장기 셸 개체" showAsIcon="1" r:id="rId9" imgW="1143360" imgH="542160" progId="Package">
+                <p:oleObj spid="_x0000_s5489" name="포장기 셸 개체" showAsIcon="1" r:id="rId9" imgW="1143360" imgH="542160" progId="Package">
                   <p:embed/>
                 </p:oleObj>
               </mc:Choice>
@@ -12037,7 +12109,7 @@
           <a:graphicData uri="http://schemas.openxmlformats.org/presentationml/2006/ole">
             <mc:AlternateContent xmlns:mc="http://schemas.openxmlformats.org/markup-compatibility/2006">
               <mc:Choice xmlns:v="urn:schemas-microsoft-com:vml" Requires="v">
-                <p:oleObj spid="_x0000_s5469" name="포장기 셸 개체" showAsIcon="1" r:id="rId11" imgW="1287360" imgH="542160" progId="Package">
+                <p:oleObj spid="_x0000_s5490" name="포장기 셸 개체" showAsIcon="1" r:id="rId11" imgW="1287360" imgH="542160" progId="Package">
                   <p:embed/>
                 </p:oleObj>
               </mc:Choice>
@@ -12094,7 +12166,7 @@
           <a:graphicData uri="http://schemas.openxmlformats.org/presentationml/2006/ole">
             <mc:AlternateContent xmlns:mc="http://schemas.openxmlformats.org/markup-compatibility/2006">
               <mc:Choice xmlns:v="urn:schemas-microsoft-com:vml" Requires="v">
-                <p:oleObj spid="_x0000_s5470" name="포장기 셸 개체" showAsIcon="1" r:id="rId13" imgW="1241640" imgH="542160" progId="Package">
+                <p:oleObj spid="_x0000_s5491" name="포장기 셸 개체" showAsIcon="1" r:id="rId13" imgW="1241640" imgH="542160" progId="Package">
                   <p:embed/>
                 </p:oleObj>
               </mc:Choice>
@@ -12151,7 +12223,7 @@
           <a:graphicData uri="http://schemas.openxmlformats.org/presentationml/2006/ole">
             <mc:AlternateContent xmlns:mc="http://schemas.openxmlformats.org/markup-compatibility/2006">
               <mc:Choice xmlns:v="urn:schemas-microsoft-com:vml" Requires="v">
-                <p:oleObj spid="_x0000_s5471" name="포장기 셸 개체" showAsIcon="1" r:id="rId15" imgW="1457280" imgH="542160" progId="Package">
+                <p:oleObj spid="_x0000_s5492" name="포장기 셸 개체" showAsIcon="1" r:id="rId15" imgW="1457280" imgH="542160" progId="Package">
                   <p:embed/>
                 </p:oleObj>
               </mc:Choice>
@@ -12196,6 +12268,14 @@
   <p:clrMapOvr>
     <a:masterClrMapping/>
   </p:clrMapOvr>
+  <mc:AlternateContent xmlns:mc="http://schemas.openxmlformats.org/markup-compatibility/2006">
+    <mc:Choice xmlns:p14="http://schemas.microsoft.com/office/powerpoint/2010/main" Requires="p14">
+      <p:transition spd="slow" p14:dur="2000"/>
+    </mc:Choice>
+    <mc:Fallback>
+      <p:transition spd="slow"/>
+    </mc:Fallback>
+  </mc:AlternateContent>
   <p:timing>
     <p:tnLst>
       <p:par>
@@ -12315,8 +12395,12 @@
               <a:t>프로그램은 </a:t>
             </a:r>
             <a:r>
+              <a:rPr lang="en-US" altLang="ko-KR" dirty="0" err="1" smtClean="0"/>
+              <a:t>RPi.GPIO</a:t>
+            </a:r>
+            <a:r>
               <a:rPr lang="en-US" altLang="ko-KR" dirty="0" smtClean="0"/>
-              <a:t>GPIO </a:t>
+              <a:t> </a:t>
             </a:r>
             <a:r>
               <a:rPr lang="ko-KR" altLang="en-US" dirty="0" smtClean="0"/>
@@ -12592,7 +12676,7 @@
 </file>
 
 <file path=ppt/slides/slide24.xml><?xml version="1.0" encoding="utf-8"?>
-<p:sld xmlns:a="http://schemas.openxmlformats.org/drawingml/2006/main" xmlns:r="http://schemas.openxmlformats.org/officeDocument/2006/relationships" xmlns:p="http://schemas.openxmlformats.org/presentationml/2006/main">
+<p:sld xmlns:a="http://schemas.openxmlformats.org/drawingml/2006/main" xmlns:r="http://schemas.openxmlformats.org/officeDocument/2006/relationships" xmlns:p="http://schemas.openxmlformats.org/presentationml/2006/main" show="0">
   <p:cSld>
     <p:spTree>
       <p:nvGrpSpPr>
@@ -12887,6 +12971,14 @@
   <p:clrMapOvr>
     <a:masterClrMapping/>
   </p:clrMapOvr>
+  <mc:AlternateContent xmlns:mc="http://schemas.openxmlformats.org/markup-compatibility/2006">
+    <mc:Choice xmlns:p14="http://schemas.microsoft.com/office/powerpoint/2010/main" Requires="p14">
+      <p:transition spd="slow" p14:dur="2000"/>
+    </mc:Choice>
+    <mc:Fallback>
+      <p:transition spd="slow"/>
+    </mc:Fallback>
+  </mc:AlternateContent>
   <p:timing>
     <p:tnLst>
       <p:par>
@@ -15042,7 +15134,7 @@
           <a:graphicData uri="http://schemas.openxmlformats.org/presentationml/2006/ole">
             <mc:AlternateContent xmlns:mc="http://schemas.openxmlformats.org/markup-compatibility/2006">
               <mc:Choice xmlns:v="urn:schemas-microsoft-com:vml" Requires="v">
-                <p:oleObj spid="_x0000_s17419" name="포장기 셸 개체" showAsIcon="1" r:id="rId3" imgW="653400" imgH="542160" progId="Package">
+                <p:oleObj spid="_x0000_s17422" name="포장기 셸 개체" showAsIcon="1" r:id="rId3" imgW="653400" imgH="542160" progId="Package">
                   <p:embed/>
                 </p:oleObj>
               </mc:Choice>
@@ -15098,7 +15190,7 @@
 </file>
 
 <file path=ppt/slides/slide28.xml><?xml version="1.0" encoding="utf-8"?>
-<p:sld xmlns:a="http://schemas.openxmlformats.org/drawingml/2006/main" xmlns:r="http://schemas.openxmlformats.org/officeDocument/2006/relationships" xmlns:p="http://schemas.openxmlformats.org/presentationml/2006/main">
+<p:sld xmlns:a="http://schemas.openxmlformats.org/drawingml/2006/main" xmlns:r="http://schemas.openxmlformats.org/officeDocument/2006/relationships" xmlns:p="http://schemas.openxmlformats.org/presentationml/2006/main" show="0">
   <p:cSld>
     <p:spTree>
       <p:nvGrpSpPr>
@@ -15672,7 +15764,7 @@
           <a:graphicData uri="http://schemas.openxmlformats.org/presentationml/2006/ole">
             <mc:AlternateContent xmlns:mc="http://schemas.openxmlformats.org/markup-compatibility/2006">
               <mc:Choice xmlns:v="urn:schemas-microsoft-com:vml" Requires="v">
-                <p:oleObj spid="_x0000_s13342" name="포장기 셸 개체" showAsIcon="1" r:id="rId3" imgW="653400" imgH="542160" progId="Package">
+                <p:oleObj spid="_x0000_s13345" name="포장기 셸 개체" showAsIcon="1" r:id="rId3" imgW="653400" imgH="542160" progId="Package">
                   <p:embed/>
                 </p:oleObj>
               </mc:Choice>
@@ -15717,6 +15809,14 @@
   <p:clrMapOvr>
     <a:masterClrMapping/>
   </p:clrMapOvr>
+  <mc:AlternateContent xmlns:mc="http://schemas.openxmlformats.org/markup-compatibility/2006">
+    <mc:Choice xmlns:p14="http://schemas.microsoft.com/office/powerpoint/2010/main" Requires="p14">
+      <p:transition spd="slow" p14:dur="2000"/>
+    </mc:Choice>
+    <mc:Fallback>
+      <p:transition spd="slow"/>
+    </mc:Fallback>
+  </mc:AlternateContent>
 </p:sld>
 </file>
 
@@ -15879,7 +15979,7 @@
           <a:graphicData uri="http://schemas.openxmlformats.org/presentationml/2006/ole">
             <mc:AlternateContent xmlns:mc="http://schemas.openxmlformats.org/markup-compatibility/2006">
               <mc:Choice xmlns:v="urn:schemas-microsoft-com:vml" Requires="v">
-                <p:oleObj spid="_x0000_s14366" name="포장기 셸 개체" showAsIcon="1" r:id="rId3" imgW="653400" imgH="542160" progId="Package">
+                <p:oleObj spid="_x0000_s14369" name="포장기 셸 개체" showAsIcon="1" r:id="rId3" imgW="653400" imgH="542160" progId="Package">
                   <p:embed/>
                 </p:oleObj>
               </mc:Choice>
@@ -16332,7 +16432,7 @@
 </file>
 
 <file path=ppt/slides/slide30.xml><?xml version="1.0" encoding="utf-8"?>
-<p:sld xmlns:a="http://schemas.openxmlformats.org/drawingml/2006/main" xmlns:r="http://schemas.openxmlformats.org/officeDocument/2006/relationships" xmlns:p="http://schemas.openxmlformats.org/presentationml/2006/main">
+<p:sld xmlns:a="http://schemas.openxmlformats.org/drawingml/2006/main" xmlns:r="http://schemas.openxmlformats.org/officeDocument/2006/relationships" xmlns:p="http://schemas.openxmlformats.org/presentationml/2006/main" show="0">
   <p:cSld>
     <p:spTree>
       <p:nvGrpSpPr>
@@ -16516,7 +16616,7 @@
           <a:graphicData uri="http://schemas.openxmlformats.org/presentationml/2006/ole">
             <mc:AlternateContent xmlns:mc="http://schemas.openxmlformats.org/markup-compatibility/2006">
               <mc:Choice xmlns:v="urn:schemas-microsoft-com:vml" Requires="v">
-                <p:oleObj spid="_x0000_s15389" name="포장기 셸 개체" showAsIcon="1" r:id="rId3" imgW="653400" imgH="542160" progId="Package">
+                <p:oleObj spid="_x0000_s15392" name="포장기 셸 개체" showAsIcon="1" r:id="rId3" imgW="653400" imgH="542160" progId="Package">
                   <p:embed/>
                 </p:oleObj>
               </mc:Choice>
@@ -17022,11 +17122,19 @@
   <p:clrMapOvr>
     <a:masterClrMapping/>
   </p:clrMapOvr>
+  <mc:AlternateContent xmlns:mc="http://schemas.openxmlformats.org/markup-compatibility/2006">
+    <mc:Choice xmlns:p14="http://schemas.microsoft.com/office/powerpoint/2010/main" Requires="p14">
+      <p:transition spd="slow" p14:dur="2000"/>
+    </mc:Choice>
+    <mc:Fallback>
+      <p:transition spd="slow"/>
+    </mc:Fallback>
+  </mc:AlternateContent>
 </p:sld>
 </file>
 
 <file path=ppt/slides/slide31.xml><?xml version="1.0" encoding="utf-8"?>
-<p:sld xmlns:a="http://schemas.openxmlformats.org/drawingml/2006/main" xmlns:r="http://schemas.openxmlformats.org/officeDocument/2006/relationships" xmlns:p="http://schemas.openxmlformats.org/presentationml/2006/main">
+<p:sld xmlns:a="http://schemas.openxmlformats.org/drawingml/2006/main" xmlns:r="http://schemas.openxmlformats.org/officeDocument/2006/relationships" xmlns:p="http://schemas.openxmlformats.org/presentationml/2006/main" show="0">
   <p:cSld>
     <p:spTree>
       <p:nvGrpSpPr>
@@ -17231,6 +17339,14 @@
   <p:clrMapOvr>
     <a:masterClrMapping/>
   </p:clrMapOvr>
+  <mc:AlternateContent xmlns:mc="http://schemas.openxmlformats.org/markup-compatibility/2006">
+    <mc:Choice xmlns:p14="http://schemas.microsoft.com/office/powerpoint/2010/main" Requires="p14">
+      <p:transition spd="slow" p14:dur="2000"/>
+    </mc:Choice>
+    <mc:Fallback>
+      <p:transition spd="slow"/>
+    </mc:Fallback>
+  </mc:AlternateContent>
   <p:timing>
     <p:tnLst>
       <p:par>
@@ -17325,11 +17441,19 @@
             </a:r>
             <a:r>
               <a:rPr lang="en-US" altLang="ko-KR" dirty="0" smtClean="0"/>
-              <a:t>pin 12</a:t>
+              <a:t>pin </a:t>
+            </a:r>
+            <a:r>
+              <a:rPr lang="en-US" altLang="ko-KR" dirty="0" smtClean="0"/>
+              <a:t>12(GPIO18)</a:t>
             </a:r>
             <a:r>
               <a:rPr lang="ko-KR" altLang="en-US" dirty="0" smtClean="0"/>
-              <a:t>에 연결된 </a:t>
+              <a:t>에 </a:t>
+            </a:r>
+            <a:r>
+              <a:rPr lang="ko-KR" altLang="en-US" dirty="0" smtClean="0"/>
+              <a:t>연결된 </a:t>
             </a:r>
             <a:r>
               <a:rPr lang="en-US" altLang="ko-KR" dirty="0" smtClean="0"/>
@@ -17613,7 +17737,7 @@
           <a:graphicData uri="http://schemas.openxmlformats.org/presentationml/2006/ole">
             <mc:AlternateContent xmlns:mc="http://schemas.openxmlformats.org/markup-compatibility/2006">
               <mc:Choice xmlns:v="urn:schemas-microsoft-com:vml" Requires="v">
-                <p:oleObj spid="_x0000_s7202" name="포장기 셸 개체" showAsIcon="1" r:id="rId3" imgW="829800" imgH="542160" progId="Package">
+                <p:oleObj spid="_x0000_s7205" name="포장기 셸 개체" showAsIcon="1" r:id="rId3" imgW="829800" imgH="542160" progId="Package">
                   <p:embed/>
                 </p:oleObj>
               </mc:Choice>
@@ -18119,7 +18243,7 @@
           <a:graphicData uri="http://schemas.openxmlformats.org/presentationml/2006/ole">
             <mc:AlternateContent xmlns:mc="http://schemas.openxmlformats.org/markup-compatibility/2006">
               <mc:Choice xmlns:v="urn:schemas-microsoft-com:vml" Requires="v">
-                <p:oleObj spid="_x0000_s8225" name="포장기 셸 개체" showAsIcon="1" r:id="rId3" imgW="1032480" imgH="542160" progId="Package">
+                <p:oleObj spid="_x0000_s8228" name="포장기 셸 개체" showAsIcon="1" r:id="rId3" imgW="1032480" imgH="542160" progId="Package">
                   <p:embed/>
                 </p:oleObj>
               </mc:Choice>
@@ -19556,7 +19680,7 @@
           <a:graphicData uri="http://schemas.openxmlformats.org/presentationml/2006/ole">
             <mc:AlternateContent xmlns:mc="http://schemas.openxmlformats.org/markup-compatibility/2006">
               <mc:Choice xmlns:v="urn:schemas-microsoft-com:vml" Requires="v">
-                <p:oleObj spid="_x0000_s9249" name="포장기 셸 개체" showAsIcon="1" r:id="rId4" imgW="424800" imgH="542160" progId="Package">
+                <p:oleObj spid="_x0000_s9252" name="포장기 셸 개체" showAsIcon="1" r:id="rId4" imgW="424800" imgH="542160" progId="Package">
                   <p:embed/>
                 </p:oleObj>
               </mc:Choice>
@@ -20354,7 +20478,7 @@
           <a:graphicData uri="http://schemas.openxmlformats.org/presentationml/2006/ole">
             <mc:AlternateContent xmlns:mc="http://schemas.openxmlformats.org/markup-compatibility/2006">
               <mc:Choice xmlns:v="urn:schemas-microsoft-com:vml" Requires="v">
-                <p:oleObj spid="_x0000_s16432" name="포장기 셸 개체" showAsIcon="1" r:id="rId3" imgW="1058400" imgH="542160" progId="Package">
+                <p:oleObj spid="_x0000_s16438" name="포장기 셸 개체" showAsIcon="1" r:id="rId3" imgW="1058400" imgH="542160" progId="Package">
                   <p:embed/>
                 </p:oleObj>
               </mc:Choice>
@@ -20411,7 +20535,7 @@
           <a:graphicData uri="http://schemas.openxmlformats.org/presentationml/2006/ole">
             <mc:AlternateContent xmlns:mc="http://schemas.openxmlformats.org/markup-compatibility/2006">
               <mc:Choice xmlns:v="urn:schemas-microsoft-com:vml" Requires="v">
-                <p:oleObj spid="_x0000_s16433" name="포장기 셸 개체" showAsIcon="1" r:id="rId5" imgW="901800" imgH="542160" progId="Package">
+                <p:oleObj spid="_x0000_s16439" name="포장기 셸 개체" showAsIcon="1" r:id="rId5" imgW="901800" imgH="542160" progId="Package">
                   <p:embed/>
                 </p:oleObj>
               </mc:Choice>
@@ -21150,7 +21274,7 @@
           <a:graphicData uri="http://schemas.openxmlformats.org/presentationml/2006/ole">
             <mc:AlternateContent xmlns:mc="http://schemas.openxmlformats.org/markup-compatibility/2006">
               <mc:Choice xmlns:v="urn:schemas-microsoft-com:vml" Requires="v">
-                <p:oleObj spid="_x0000_s10274" name="포장기 셸 개체" showAsIcon="1" r:id="rId3" imgW="1927800" imgH="542160" progId="Package">
+                <p:oleObj spid="_x0000_s10277" name="포장기 셸 개체" showAsIcon="1" r:id="rId3" imgW="1927800" imgH="542160" progId="Package">
                   <p:embed/>
                 </p:oleObj>
               </mc:Choice>
@@ -21206,7 +21330,7 @@
 </file>
 
 <file path=ppt/slides/slide4.xml><?xml version="1.0" encoding="utf-8"?>
-<p:sld xmlns:a="http://schemas.openxmlformats.org/drawingml/2006/main" xmlns:r="http://schemas.openxmlformats.org/officeDocument/2006/relationships" xmlns:p="http://schemas.openxmlformats.org/presentationml/2006/main">
+<p:sld xmlns:a="http://schemas.openxmlformats.org/drawingml/2006/main" xmlns:r="http://schemas.openxmlformats.org/officeDocument/2006/relationships" xmlns:p="http://schemas.openxmlformats.org/presentationml/2006/main" show="0">
   <p:cSld>
     <p:spTree>
       <p:nvGrpSpPr>
@@ -21357,6 +21481,14 @@
   <p:clrMapOvr>
     <a:masterClrMapping/>
   </p:clrMapOvr>
+  <mc:AlternateContent xmlns:mc="http://schemas.openxmlformats.org/markup-compatibility/2006">
+    <mc:Choice xmlns:p14="http://schemas.microsoft.com/office/powerpoint/2010/main" Requires="p14">
+      <p:transition spd="slow" p14:dur="2000"/>
+    </mc:Choice>
+    <mc:Fallback>
+      <p:transition spd="slow"/>
+    </mc:Fallback>
+  </mc:AlternateContent>
 </p:sld>
 </file>
 
@@ -22026,7 +22158,7 @@
           <a:graphicData uri="http://schemas.openxmlformats.org/presentationml/2006/ole">
             <mc:AlternateContent xmlns:mc="http://schemas.openxmlformats.org/markup-compatibility/2006">
               <mc:Choice xmlns:v="urn:schemas-microsoft-com:vml" Requires="v">
-                <p:oleObj spid="_x0000_s11297" name="포장기 셸 개체" showAsIcon="1" r:id="rId3" imgW="993240" imgH="542160" progId="Package">
+                <p:oleObj spid="_x0000_s11300" name="포장기 셸 개체" showAsIcon="1" r:id="rId3" imgW="993240" imgH="542160" progId="Package">
                   <p:embed/>
                 </p:oleObj>
               </mc:Choice>
@@ -22746,7 +22878,7 @@
           <a:graphicData uri="http://schemas.openxmlformats.org/presentationml/2006/ole">
             <mc:AlternateContent xmlns:mc="http://schemas.openxmlformats.org/markup-compatibility/2006">
               <mc:Choice xmlns:v="urn:schemas-microsoft-com:vml" Requires="v">
-                <p:oleObj spid="_x0000_s2212" name="포장기 셸 개체" showAsIcon="1" r:id="rId3" imgW="1443960" imgH="542160" progId="Package">
+                <p:oleObj spid="_x0000_s2218" name="포장기 셸 개체" showAsIcon="1" r:id="rId3" imgW="1443960" imgH="542160" progId="Package">
                   <p:embed/>
                 </p:oleObj>
               </mc:Choice>
@@ -23098,7 +23230,7 @@
           <a:graphicData uri="http://schemas.openxmlformats.org/presentationml/2006/ole">
             <mc:AlternateContent xmlns:mc="http://schemas.openxmlformats.org/markup-compatibility/2006">
               <mc:Choice xmlns:v="urn:schemas-microsoft-com:vml" Requires="v">
-                <p:oleObj spid="_x0000_s2213" name="포장기 셸 개체" showAsIcon="1" r:id="rId5" imgW="901800" imgH="542160" progId="Package">
+                <p:oleObj spid="_x0000_s2219" name="포장기 셸 개체" showAsIcon="1" r:id="rId5" imgW="901800" imgH="542160" progId="Package">
                   <p:embed/>
                 </p:oleObj>
               </mc:Choice>
@@ -24101,7 +24233,7 @@
           <a:graphicData uri="http://schemas.openxmlformats.org/presentationml/2006/ole">
             <mc:AlternateContent xmlns:mc="http://schemas.openxmlformats.org/markup-compatibility/2006">
               <mc:Choice xmlns:v="urn:schemas-microsoft-com:vml" Requires="v">
-                <p:oleObj spid="_x0000_s12350" name="포장기 셸 개체" showAsIcon="1" r:id="rId3" imgW="960480" imgH="542160" progId="Package">
+                <p:oleObj spid="_x0000_s12356" name="포장기 셸 개체" showAsIcon="1" r:id="rId3" imgW="960480" imgH="542160" progId="Package">
                   <p:embed/>
                 </p:oleObj>
               </mc:Choice>
@@ -24158,7 +24290,7 @@
           <a:graphicData uri="http://schemas.openxmlformats.org/presentationml/2006/ole">
             <mc:AlternateContent xmlns:mc="http://schemas.openxmlformats.org/markup-compatibility/2006">
               <mc:Choice xmlns:v="urn:schemas-microsoft-com:vml" Requires="v">
-                <p:oleObj spid="_x0000_s12351" name="포장기 셸 개체" showAsIcon="1" r:id="rId5" imgW="1999440" imgH="542160" progId="Package">
+                <p:oleObj spid="_x0000_s12357" name="포장기 셸 개체" showAsIcon="1" r:id="rId5" imgW="1999440" imgH="542160" progId="Package">
                   <p:embed/>
                 </p:oleObj>
               </mc:Choice>
@@ -24732,7 +24864,7 @@
           <a:graphicData uri="http://schemas.openxmlformats.org/presentationml/2006/ole">
             <mc:AlternateContent xmlns:mc="http://schemas.openxmlformats.org/markup-compatibility/2006">
               <mc:Choice xmlns:v="urn:schemas-microsoft-com:vml" Requires="v">
-                <p:oleObj spid="_x0000_s1257" name="포장기 셸 개체" showAsIcon="1" r:id="rId3" imgW="921240" imgH="542160" progId="Package">
+                <p:oleObj spid="_x0000_s1263" name="포장기 셸 개체" showAsIcon="1" r:id="rId3" imgW="921240" imgH="542160" progId="Package">
                   <p:embed/>
                 </p:oleObj>
               </mc:Choice>
@@ -24789,7 +24921,7 @@
           <a:graphicData uri="http://schemas.openxmlformats.org/presentationml/2006/ole">
             <mc:AlternateContent xmlns:mc="http://schemas.openxmlformats.org/markup-compatibility/2006">
               <mc:Choice xmlns:v="urn:schemas-microsoft-com:vml" Requires="v">
-                <p:oleObj spid="_x0000_s1258" name="포장기 셸 개체" showAsIcon="1" r:id="rId5" imgW="1999440" imgH="542160" progId="Package">
+                <p:oleObj spid="_x0000_s1264" name="포장기 셸 개체" showAsIcon="1" r:id="rId5" imgW="1999440" imgH="542160" progId="Package">
                   <p:embed/>
                 </p:oleObj>
               </mc:Choice>
@@ -24845,7 +24977,7 @@
 </file>
 
 <file path=ppt/slides/slide5.xml><?xml version="1.0" encoding="utf-8"?>
-<p:sld xmlns:a="http://schemas.openxmlformats.org/drawingml/2006/main" xmlns:r="http://schemas.openxmlformats.org/officeDocument/2006/relationships" xmlns:p="http://schemas.openxmlformats.org/presentationml/2006/main">
+<p:sld xmlns:a="http://schemas.openxmlformats.org/drawingml/2006/main" xmlns:r="http://schemas.openxmlformats.org/officeDocument/2006/relationships" xmlns:p="http://schemas.openxmlformats.org/presentationml/2006/main" show="0">
   <p:cSld>
     <p:spTree>
       <p:nvGrpSpPr>
@@ -24955,11 +25087,19 @@
   <p:clrMapOvr>
     <a:masterClrMapping/>
   </p:clrMapOvr>
+  <mc:AlternateContent xmlns:mc="http://schemas.openxmlformats.org/markup-compatibility/2006">
+    <mc:Choice xmlns:p14="http://schemas.microsoft.com/office/powerpoint/2010/main" Requires="p14">
+      <p:transition spd="slow" p14:dur="2000"/>
+    </mc:Choice>
+    <mc:Fallback>
+      <p:transition spd="slow"/>
+    </mc:Fallback>
+  </mc:AlternateContent>
 </p:sld>
 </file>
 
 <file path=ppt/slides/slide6.xml><?xml version="1.0" encoding="utf-8"?>
-<p:sld xmlns:a="http://schemas.openxmlformats.org/drawingml/2006/main" xmlns:r="http://schemas.openxmlformats.org/officeDocument/2006/relationships" xmlns:p="http://schemas.openxmlformats.org/presentationml/2006/main">
+<p:sld xmlns:a="http://schemas.openxmlformats.org/drawingml/2006/main" xmlns:r="http://schemas.openxmlformats.org/officeDocument/2006/relationships" xmlns:p="http://schemas.openxmlformats.org/presentationml/2006/main" show="0">
   <p:cSld>
     <p:spTree>
       <p:nvGrpSpPr>
@@ -25276,6 +25416,14 @@
   <p:clrMapOvr>
     <a:masterClrMapping/>
   </p:clrMapOvr>
+  <mc:AlternateContent xmlns:mc="http://schemas.openxmlformats.org/markup-compatibility/2006">
+    <mc:Choice xmlns:p14="http://schemas.microsoft.com/office/powerpoint/2010/main" Requires="p14">
+      <p:transition spd="slow" p14:dur="2000"/>
+    </mc:Choice>
+    <mc:Fallback>
+      <p:transition spd="slow"/>
+    </mc:Fallback>
+  </mc:AlternateContent>
   <p:timing>
     <p:tnLst>
       <p:par>
@@ -25287,7 +25435,7 @@
 </file>
 
 <file path=ppt/slides/slide7.xml><?xml version="1.0" encoding="utf-8"?>
-<p:sld xmlns:a="http://schemas.openxmlformats.org/drawingml/2006/main" xmlns:r="http://schemas.openxmlformats.org/officeDocument/2006/relationships" xmlns:p="http://schemas.openxmlformats.org/presentationml/2006/main">
+<p:sld xmlns:a="http://schemas.openxmlformats.org/drawingml/2006/main" xmlns:r="http://schemas.openxmlformats.org/officeDocument/2006/relationships" xmlns:p="http://schemas.openxmlformats.org/presentationml/2006/main" show="0">
   <p:cSld>
     <p:spTree>
       <p:nvGrpSpPr>
@@ -25646,6 +25794,14 @@
   <p:clrMapOvr>
     <a:masterClrMapping/>
   </p:clrMapOvr>
+  <mc:AlternateContent xmlns:mc="http://schemas.openxmlformats.org/markup-compatibility/2006">
+    <mc:Choice xmlns:p14="http://schemas.microsoft.com/office/powerpoint/2010/main" Requires="p14">
+      <p:transition spd="slow" p14:dur="2000"/>
+    </mc:Choice>
+    <mc:Fallback>
+      <p:transition spd="slow"/>
+    </mc:Fallback>
+  </mc:AlternateContent>
   <p:timing>
     <p:tnLst>
       <p:par>
@@ -25657,7 +25813,7 @@
 </file>
 
 <file path=ppt/slides/slide8.xml><?xml version="1.0" encoding="utf-8"?>
-<p:sld xmlns:a="http://schemas.openxmlformats.org/drawingml/2006/main" xmlns:r="http://schemas.openxmlformats.org/officeDocument/2006/relationships" xmlns:p="http://schemas.openxmlformats.org/presentationml/2006/main">
+<p:sld xmlns:a="http://schemas.openxmlformats.org/drawingml/2006/main" xmlns:r="http://schemas.openxmlformats.org/officeDocument/2006/relationships" xmlns:p="http://schemas.openxmlformats.org/presentationml/2006/main" show="0">
   <p:cSld>
     <p:spTree>
       <p:nvGrpSpPr>
@@ -26036,7 +26192,61 @@
             </a:r>
             <a:r>
               <a:rPr lang="en-US" altLang="ko-KR" sz="2000" dirty="0" smtClean="0"/>
-              <a:t> /boot/config.txt</a:t>
+              <a:t> /</a:t>
+            </a:r>
+            <a:r>
+              <a:rPr lang="en-US" altLang="ko-KR" sz="2000" dirty="0" smtClean="0"/>
+              <a:t>boot/config.txt</a:t>
+            </a:r>
+          </a:p>
+          <a:p>
+            <a:pPr marL="0" indent="0">
+              <a:buNone/>
+            </a:pPr>
+            <a:r>
+              <a:rPr lang="en-US" altLang="ko-KR" sz="2000" dirty="0"/>
+              <a:t> </a:t>
+            </a:r>
+            <a:r>
+              <a:rPr lang="en-US" altLang="ko-KR" sz="2000" dirty="0" smtClean="0"/>
+              <a:t> $ </a:t>
+            </a:r>
+            <a:r>
+              <a:rPr lang="en-US" altLang="ko-KR" sz="2000" dirty="0" err="1" smtClean="0"/>
+              <a:t>sudo</a:t>
+            </a:r>
+            <a:r>
+              <a:rPr lang="en-US" altLang="ko-KR" sz="2000" dirty="0" smtClean="0"/>
+              <a:t> apt-get update</a:t>
+            </a:r>
+          </a:p>
+          <a:p>
+            <a:pPr marL="0" indent="0">
+              <a:buNone/>
+            </a:pPr>
+            <a:r>
+              <a:rPr lang="en-US" altLang="ko-KR" sz="2000" dirty="0"/>
+              <a:t> </a:t>
+            </a:r>
+            <a:r>
+              <a:rPr lang="en-US" altLang="ko-KR" sz="2000" dirty="0" smtClean="0"/>
+              <a:t> </a:t>
+            </a:r>
+            <a:r>
+              <a:rPr lang="en-US" altLang="ko-KR" sz="2000" dirty="0" smtClean="0"/>
+              <a:t>$ </a:t>
+            </a:r>
+            <a:r>
+              <a:rPr lang="en-US" altLang="ko-KR" sz="2000" dirty="0" err="1"/>
+              <a:t>sudo</a:t>
+            </a:r>
+            <a:r>
+              <a:rPr lang="en-US" altLang="ko-KR" sz="2000" dirty="0"/>
+              <a:t> apt-get </a:t>
+            </a:r>
+            <a:r>
+              <a:rPr lang="en-US" altLang="ko-KR" sz="2000" dirty="0" smtClean="0"/>
+              <a:t>upgrade</a:t>
             </a:r>
             <a:endParaRPr lang="en-US" altLang="ko-KR" sz="2000" dirty="0"/>
           </a:p>
@@ -26052,6 +26262,14 @@
   <p:clrMapOvr>
     <a:masterClrMapping/>
   </p:clrMapOvr>
+  <mc:AlternateContent xmlns:mc="http://schemas.openxmlformats.org/markup-compatibility/2006">
+    <mc:Choice xmlns:p14="http://schemas.microsoft.com/office/powerpoint/2010/main" Requires="p14">
+      <p:transition spd="slow" p14:dur="2000"/>
+    </mc:Choice>
+    <mc:Fallback>
+      <p:transition spd="slow"/>
+    </mc:Fallback>
+  </mc:AlternateContent>
   <p:timing>
     <p:tnLst>
       <p:par>
@@ -26063,7 +26281,7 @@
 </file>
 
 <file path=ppt/slides/slide9.xml><?xml version="1.0" encoding="utf-8"?>
-<p:sld xmlns:a="http://schemas.openxmlformats.org/drawingml/2006/main" xmlns:r="http://schemas.openxmlformats.org/officeDocument/2006/relationships" xmlns:p="http://schemas.openxmlformats.org/presentationml/2006/main">
+<p:sld xmlns:a="http://schemas.openxmlformats.org/drawingml/2006/main" xmlns:r="http://schemas.openxmlformats.org/officeDocument/2006/relationships" xmlns:p="http://schemas.openxmlformats.org/presentationml/2006/main" show="0">
   <p:cSld>
     <p:spTree>
       <p:nvGrpSpPr>
@@ -26421,6 +26639,14 @@
   <p:clrMapOvr>
     <a:masterClrMapping/>
   </p:clrMapOvr>
+  <mc:AlternateContent xmlns:mc="http://schemas.openxmlformats.org/markup-compatibility/2006">
+    <mc:Choice xmlns:p14="http://schemas.microsoft.com/office/powerpoint/2010/main" Requires="p14">
+      <p:transition spd="slow" p14:dur="2000"/>
+    </mc:Choice>
+    <mc:Fallback>
+      <p:transition spd="slow"/>
+    </mc:Fallback>
+  </mc:AlternateContent>
   <p:timing>
     <p:tnLst>
       <p:par>
